--- a/Predict_Customer_Churn_Presentation.pptx
+++ b/Predict_Customer_Churn_Presentation.pptx
@@ -5,7 +5,7 @@
     <p:sldMasterId id="2147483648" r:id="rId1"/>
   </p:sldMasterIdLst>
   <p:notesMasterIdLst>
-    <p:notesMasterId r:id="rId15"/>
+    <p:notesMasterId r:id="rId16"/>
   </p:notesMasterIdLst>
   <p:sldIdLst>
     <p:sldId id="256" r:id="rId2"/>
@@ -18,17 +18,18 @@
     <p:sldId id="265" r:id="rId9"/>
     <p:sldId id="266" r:id="rId10"/>
     <p:sldId id="267" r:id="rId11"/>
-    <p:sldId id="268" r:id="rId12"/>
-    <p:sldId id="269" r:id="rId13"/>
-    <p:sldId id="281" r:id="rId14"/>
+    <p:sldId id="282" r:id="rId12"/>
+    <p:sldId id="268" r:id="rId13"/>
+    <p:sldId id="269" r:id="rId14"/>
+    <p:sldId id="281" r:id="rId15"/>
   </p:sldIdLst>
   <p:sldSz cx="18288000" cy="10287000"/>
   <p:notesSz cx="6858000" cy="9144000"/>
   <p:embeddedFontLst>
     <p:embeddedFont>
       <p:font typeface="Source Sans Pro" panose="020B0503030403020204" pitchFamily="34" charset="0"/>
-      <p:regular r:id="rId16"/>
-      <p:bold r:id="rId17"/>
+      <p:regular r:id="rId17"/>
+      <p:bold r:id="rId18"/>
     </p:embeddedFont>
   </p:embeddedFontLst>
   <p:defaultTextStyle>
@@ -5092,6 +5093,232 @@
 <file path=ppt/slides/slide11.xml><?xml version="1.0" encoding="utf-8"?>
 <p:sld xmlns:a="http://schemas.openxmlformats.org/drawingml/2006/main" xmlns:r="http://schemas.openxmlformats.org/officeDocument/2006/relationships" xmlns:p="http://schemas.openxmlformats.org/presentationml/2006/main">
   <p:cSld>
+    <p:spTree>
+      <p:nvGrpSpPr>
+        <p:cNvPr id="1" name=""/>
+        <p:cNvGrpSpPr/>
+        <p:nvPr/>
+      </p:nvGrpSpPr>
+      <p:grpSpPr>
+        <a:xfrm>
+          <a:off x="0" y="0"/>
+          <a:ext cx="0" cy="0"/>
+          <a:chOff x="0" y="0"/>
+          <a:chExt cx="0" cy="0"/>
+        </a:xfrm>
+      </p:grpSpPr>
+      <p:sp>
+        <p:nvSpPr>
+          <p:cNvPr id="2" name="Text 0">
+            <a:extLst>
+              <a:ext uri="{FF2B5EF4-FFF2-40B4-BE49-F238E27FC236}">
+                <a16:creationId xmlns:a16="http://schemas.microsoft.com/office/drawing/2014/main" id="{BD8E9BBD-4A20-E7B2-1D00-FAE6177A4F97}"/>
+              </a:ext>
+            </a:extLst>
+          </p:cNvPr>
+          <p:cNvSpPr/>
+          <p:nvPr/>
+        </p:nvSpPr>
+        <p:spPr>
+          <a:xfrm>
+            <a:off x="548640" y="431005"/>
+            <a:ext cx="16215360" cy="703769"/>
+          </a:xfrm>
+          <a:prstGeom prst="rect">
+            <a:avLst/>
+          </a:prstGeom>
+          <a:noFill/>
+          <a:ln/>
+        </p:spPr>
+        <p:txBody>
+          <a:bodyPr wrap="none" lIns="0" tIns="0" rIns="0" bIns="0" rtlCol="0" anchor="t"/>
+          <a:lstStyle/>
+          <a:p>
+            <a:pPr marL="0" indent="0" algn="ctr">
+              <a:lnSpc>
+                <a:spcPts val="3500"/>
+              </a:lnSpc>
+              <a:buNone/>
+            </a:pPr>
+            <a:r>
+              <a:rPr lang="en-US" sz="4000" b="1" dirty="0">
+                <a:solidFill>
+                  <a:srgbClr val="000000"/>
+                </a:solidFill>
+                <a:latin typeface="Source Sans Pro" panose="020B0503030403020204" pitchFamily="34" charset="0"/>
+                <a:ea typeface="Source Sans Pro" panose="020B0503030403020204" pitchFamily="34" charset="0"/>
+                <a:cs typeface="Montserrat Bold" pitchFamily="34" charset="-120"/>
+              </a:rPr>
+              <a:t>What Drives the Predictions?</a:t>
+            </a:r>
+            <a:endParaRPr lang="en-US" sz="4000" dirty="0">
+              <a:latin typeface="Source Sans Pro" panose="020B0503030403020204" pitchFamily="34" charset="0"/>
+              <a:ea typeface="Source Sans Pro" panose="020B0503030403020204" pitchFamily="34" charset="0"/>
+            </a:endParaRPr>
+          </a:p>
+        </p:txBody>
+      </p:sp>
+      <p:sp>
+        <p:nvSpPr>
+          <p:cNvPr id="3" name="Text 1">
+            <a:extLst>
+              <a:ext uri="{FF2B5EF4-FFF2-40B4-BE49-F238E27FC236}">
+                <a16:creationId xmlns:a16="http://schemas.microsoft.com/office/drawing/2014/main" id="{4C0853CE-6BE8-047C-8D6D-D96624FABAF8}"/>
+              </a:ext>
+            </a:extLst>
+          </p:cNvPr>
+          <p:cNvSpPr/>
+          <p:nvPr/>
+        </p:nvSpPr>
+        <p:spPr>
+          <a:xfrm>
+            <a:off x="548640" y="1189792"/>
+            <a:ext cx="16215360" cy="710180"/>
+          </a:xfrm>
+          <a:prstGeom prst="rect">
+            <a:avLst/>
+          </a:prstGeom>
+          <a:noFill/>
+          <a:ln/>
+        </p:spPr>
+        <p:txBody>
+          <a:bodyPr wrap="none" lIns="0" tIns="0" rIns="0" bIns="0" rtlCol="0" anchor="t"/>
+          <a:lstStyle/>
+          <a:p>
+            <a:pPr marL="0" indent="0">
+              <a:buNone/>
+            </a:pPr>
+            <a:r>
+              <a:rPr lang="en-US" sz="2400" dirty="0">
+                <a:solidFill>
+                  <a:srgbClr val="3D3838"/>
+                </a:solidFill>
+                <a:latin typeface="Source Sans Pro" panose="020B0503030403020204" pitchFamily="34" charset="0"/>
+                <a:ea typeface="Source Sans Pro" panose="020B0503030403020204" pitchFamily="34" charset="0"/>
+                <a:cs typeface="Source Sans Pro" pitchFamily="34" charset="-120"/>
+              </a:rPr>
+              <a:t>The model's predictions are heavily influenced by the same key factors identified in our initial analysis, </a:t>
+            </a:r>
+          </a:p>
+          <a:p>
+            <a:pPr marL="0" indent="0">
+              <a:buNone/>
+            </a:pPr>
+            <a:r>
+              <a:rPr lang="en-US" sz="2400" dirty="0">
+                <a:solidFill>
+                  <a:srgbClr val="3D3838"/>
+                </a:solidFill>
+                <a:latin typeface="Source Sans Pro" panose="020B0503030403020204" pitchFamily="34" charset="0"/>
+                <a:ea typeface="Source Sans Pro" panose="020B0503030403020204" pitchFamily="34" charset="0"/>
+                <a:cs typeface="Source Sans Pro" pitchFamily="34" charset="-120"/>
+              </a:rPr>
+              <a:t>confirming alignment between insights and data.</a:t>
+            </a:r>
+            <a:endParaRPr lang="en-US" sz="2400" dirty="0">
+              <a:latin typeface="Source Sans Pro" panose="020B0503030403020204" pitchFamily="34" charset="0"/>
+              <a:ea typeface="Source Sans Pro" panose="020B0503030403020204" pitchFamily="34" charset="0"/>
+            </a:endParaRPr>
+          </a:p>
+        </p:txBody>
+      </p:sp>
+      <p:pic>
+        <p:nvPicPr>
+          <p:cNvPr id="4" name="Image 0" descr="preencoded.png">
+            <a:extLst>
+              <a:ext uri="{FF2B5EF4-FFF2-40B4-BE49-F238E27FC236}">
+                <a16:creationId xmlns:a16="http://schemas.microsoft.com/office/drawing/2014/main" id="{E382C337-96E6-D651-609C-AAF7246B543F}"/>
+              </a:ext>
+            </a:extLst>
+          </p:cNvPr>
+          <p:cNvPicPr>
+            <a:picLocks noChangeAspect="1"/>
+          </p:cNvPicPr>
+          <p:nvPr/>
+        </p:nvPicPr>
+        <p:blipFill>
+          <a:blip r:embed="rId2"/>
+          <a:stretch>
+            <a:fillRect/>
+          </a:stretch>
+        </p:blipFill>
+        <p:spPr>
+          <a:xfrm>
+            <a:off x="548640" y="1899972"/>
+            <a:ext cx="12481560" cy="6989581"/>
+          </a:xfrm>
+          <a:prstGeom prst="rect">
+            <a:avLst/>
+          </a:prstGeom>
+        </p:spPr>
+      </p:pic>
+      <p:sp>
+        <p:nvSpPr>
+          <p:cNvPr id="5" name="Text 2">
+            <a:extLst>
+              <a:ext uri="{FF2B5EF4-FFF2-40B4-BE49-F238E27FC236}">
+                <a16:creationId xmlns:a16="http://schemas.microsoft.com/office/drawing/2014/main" id="{4529CDE5-A328-45A6-2A3A-06F254F41C5C}"/>
+              </a:ext>
+            </a:extLst>
+          </p:cNvPr>
+          <p:cNvSpPr/>
+          <p:nvPr/>
+        </p:nvSpPr>
+        <p:spPr>
+          <a:xfrm>
+            <a:off x="548640" y="9356050"/>
+            <a:ext cx="16596360" cy="411480"/>
+          </a:xfrm>
+          <a:prstGeom prst="rect">
+            <a:avLst/>
+          </a:prstGeom>
+          <a:noFill/>
+          <a:ln/>
+        </p:spPr>
+        <p:txBody>
+          <a:bodyPr wrap="none" lIns="0" tIns="0" rIns="0" bIns="0" rtlCol="0" anchor="t"/>
+          <a:lstStyle/>
+          <a:p>
+            <a:pPr marL="0" indent="0" algn="l">
+              <a:lnSpc>
+                <a:spcPts val="1850"/>
+              </a:lnSpc>
+              <a:buNone/>
+            </a:pPr>
+            <a:r>
+              <a:rPr lang="en-US" sz="2400" dirty="0">
+                <a:solidFill>
+                  <a:srgbClr val="3D3838"/>
+                </a:solidFill>
+                <a:latin typeface="Source Sans Pro" panose="020B0503030403020204" pitchFamily="34" charset="0"/>
+                <a:ea typeface="Source Sans Pro" panose="020B0503030403020204" pitchFamily="34" charset="0"/>
+                <a:cs typeface="Source Sans Pro" pitchFamily="34" charset="-120"/>
+              </a:rPr>
+              <a:t>Understanding these drivers allows us to pinpoint specific areas for intervention to reduce churn effectively.</a:t>
+            </a:r>
+            <a:endParaRPr lang="en-US" sz="2400" dirty="0">
+              <a:latin typeface="Source Sans Pro" panose="020B0503030403020204" pitchFamily="34" charset="0"/>
+              <a:ea typeface="Source Sans Pro" panose="020B0503030403020204" pitchFamily="34" charset="0"/>
+            </a:endParaRPr>
+          </a:p>
+        </p:txBody>
+      </p:sp>
+    </p:spTree>
+    <p:extLst>
+      <p:ext uri="{BB962C8B-B14F-4D97-AF65-F5344CB8AC3E}">
+        <p14:creationId xmlns:p14="http://schemas.microsoft.com/office/powerpoint/2010/main" val="3588371366"/>
+      </p:ext>
+    </p:extLst>
+  </p:cSld>
+  <p:clrMapOvr>
+    <a:masterClrMapping/>
+  </p:clrMapOvr>
+</p:sld>
+</file>
+
+<file path=ppt/slides/slide12.xml><?xml version="1.0" encoding="utf-8"?>
+<p:sld xmlns:a="http://schemas.openxmlformats.org/drawingml/2006/main" xmlns:r="http://schemas.openxmlformats.org/officeDocument/2006/relationships" xmlns:p="http://schemas.openxmlformats.org/presentationml/2006/main">
+  <p:cSld>
     <p:bg>
       <p:bgPr>
         <a:solidFill>
@@ -5830,7 +6057,7 @@
 </p:sld>
 </file>
 
-<file path=ppt/slides/slide12.xml><?xml version="1.0" encoding="utf-8"?>
+<file path=ppt/slides/slide13.xml><?xml version="1.0" encoding="utf-8"?>
 <p:sld xmlns:a="http://schemas.openxmlformats.org/drawingml/2006/main" xmlns:r="http://schemas.openxmlformats.org/officeDocument/2006/relationships" xmlns:p="http://schemas.openxmlformats.org/presentationml/2006/main">
   <p:cSld>
     <p:spTree>
@@ -6323,7 +6550,7 @@
 </p:sld>
 </file>
 
-<file path=ppt/slides/slide13.xml><?xml version="1.0" encoding="utf-8"?>
+<file path=ppt/slides/slide14.xml><?xml version="1.0" encoding="utf-8"?>
 <p:sld xmlns:a="http://schemas.openxmlformats.org/drawingml/2006/main" xmlns:r="http://schemas.openxmlformats.org/officeDocument/2006/relationships" xmlns:p="http://schemas.openxmlformats.org/presentationml/2006/main">
   <p:cSld>
     <p:bg>

--- a/Predict_Customer_Churn_Presentation.pptx
+++ b/Predict_Customer_Churn_Presentation.pptx
@@ -30,6 +30,8 @@
       <p:font typeface="Source Sans Pro" panose="020B0503030403020204" pitchFamily="34" charset="0"/>
       <p:regular r:id="rId17"/>
       <p:bold r:id="rId18"/>
+      <p:italic r:id="rId19"/>
+      <p:boldItalic r:id="rId20"/>
     </p:embeddedFont>
   </p:embeddedFontLst>
   <p:defaultTextStyle>
@@ -228,7 +230,7 @@
           <a:p>
             <a:fld id="{609A43F9-5773-48A6-A5F4-A0C49336E67F}" type="datetimeFigureOut">
               <a:rPr lang="en-US" smtClean="0"/>
-              <a:t>7/20/2025</a:t>
+              <a:t>7/22/2025</a:t>
             </a:fld>
             <a:endParaRPr lang="en-US"/>
           </a:p>
@@ -759,7 +761,7 @@
             <a:fld id="{1D8BD707-D9CF-40AE-B4C6-C98DA3205C09}" type="datetimeFigureOut">
               <a:rPr lang="en-US" smtClean="0"/>
               <a:pPr/>
-              <a:t>7/20/2025</a:t>
+              <a:t>7/22/2025</a:t>
             </a:fld>
             <a:endParaRPr lang="en-US"/>
           </a:p>
@@ -924,7 +926,7 @@
             <a:fld id="{1D8BD707-D9CF-40AE-B4C6-C98DA3205C09}" type="datetimeFigureOut">
               <a:rPr lang="en-US" smtClean="0"/>
               <a:pPr/>
-              <a:t>7/20/2025</a:t>
+              <a:t>7/22/2025</a:t>
             </a:fld>
             <a:endParaRPr lang="en-US"/>
           </a:p>
@@ -1099,7 +1101,7 @@
             <a:fld id="{1D8BD707-D9CF-40AE-B4C6-C98DA3205C09}" type="datetimeFigureOut">
               <a:rPr lang="en-US" smtClean="0"/>
               <a:pPr/>
-              <a:t>7/20/2025</a:t>
+              <a:t>7/22/2025</a:t>
             </a:fld>
             <a:endParaRPr lang="en-US"/>
           </a:p>
@@ -1264,7 +1266,7 @@
             <a:fld id="{1D8BD707-D9CF-40AE-B4C6-C98DA3205C09}" type="datetimeFigureOut">
               <a:rPr lang="en-US" smtClean="0"/>
               <a:pPr/>
-              <a:t>7/20/2025</a:t>
+              <a:t>7/22/2025</a:t>
             </a:fld>
             <a:endParaRPr lang="en-US"/>
           </a:p>
@@ -1506,7 +1508,7 @@
             <a:fld id="{1D8BD707-D9CF-40AE-B4C6-C98DA3205C09}" type="datetimeFigureOut">
               <a:rPr lang="en-US" smtClean="0"/>
               <a:pPr/>
-              <a:t>7/20/2025</a:t>
+              <a:t>7/22/2025</a:t>
             </a:fld>
             <a:endParaRPr lang="en-US"/>
           </a:p>
@@ -1788,7 +1790,7 @@
             <a:fld id="{1D8BD707-D9CF-40AE-B4C6-C98DA3205C09}" type="datetimeFigureOut">
               <a:rPr lang="en-US" smtClean="0"/>
               <a:pPr/>
-              <a:t>7/20/2025</a:t>
+              <a:t>7/22/2025</a:t>
             </a:fld>
             <a:endParaRPr lang="en-US"/>
           </a:p>
@@ -2204,7 +2206,7 @@
             <a:fld id="{1D8BD707-D9CF-40AE-B4C6-C98DA3205C09}" type="datetimeFigureOut">
               <a:rPr lang="en-US" smtClean="0"/>
               <a:pPr/>
-              <a:t>7/20/2025</a:t>
+              <a:t>7/22/2025</a:t>
             </a:fld>
             <a:endParaRPr lang="en-US"/>
           </a:p>
@@ -2318,7 +2320,7 @@
             <a:fld id="{1D8BD707-D9CF-40AE-B4C6-C98DA3205C09}" type="datetimeFigureOut">
               <a:rPr lang="en-US" smtClean="0"/>
               <a:pPr/>
-              <a:t>7/20/2025</a:t>
+              <a:t>7/22/2025</a:t>
             </a:fld>
             <a:endParaRPr lang="en-US"/>
           </a:p>
@@ -2410,7 +2412,7 @@
             <a:fld id="{1D8BD707-D9CF-40AE-B4C6-C98DA3205C09}" type="datetimeFigureOut">
               <a:rPr lang="en-US" smtClean="0"/>
               <a:pPr/>
-              <a:t>7/20/2025</a:t>
+              <a:t>7/22/2025</a:t>
             </a:fld>
             <a:endParaRPr lang="en-US"/>
           </a:p>
@@ -2682,7 +2684,7 @@
             <a:fld id="{1D8BD707-D9CF-40AE-B4C6-C98DA3205C09}" type="datetimeFigureOut">
               <a:rPr lang="en-US" smtClean="0"/>
               <a:pPr/>
-              <a:t>7/20/2025</a:t>
+              <a:t>7/22/2025</a:t>
             </a:fld>
             <a:endParaRPr lang="en-US"/>
           </a:p>
@@ -2931,7 +2933,7 @@
             <a:fld id="{1D8BD707-D9CF-40AE-B4C6-C98DA3205C09}" type="datetimeFigureOut">
               <a:rPr lang="en-US" smtClean="0"/>
               <a:pPr/>
-              <a:t>7/20/2025</a:t>
+              <a:t>7/22/2025</a:t>
             </a:fld>
             <a:endParaRPr lang="en-US"/>
           </a:p>
@@ -3139,7 +3141,7 @@
             <a:fld id="{1D8BD707-D9CF-40AE-B4C6-C98DA3205C09}" type="datetimeFigureOut">
               <a:rPr lang="en-US" smtClean="0"/>
               <a:pPr/>
-              <a:t>7/20/2025</a:t>
+              <a:t>7/22/2025</a:t>
             </a:fld>
             <a:endParaRPr lang="en-US"/>
           </a:p>
@@ -3984,7 +3986,7 @@
                 <a:ea typeface="Source Sans Pro" panose="020B0503030403020204" pitchFamily="34" charset="0"/>
                 <a:cs typeface="Patrick Hand" pitchFamily="34" charset="-120"/>
               </a:rPr>
-              <a:t>Sunday, July 20, 2025</a:t>
+              <a:t>Tuesday, July 22, 2025</a:t>
             </a:fld>
             <a:endParaRPr lang="en-US" sz="3600" dirty="0">
               <a:solidFill>
@@ -4320,7 +4322,7 @@
                 <a:ea typeface="Source Sans Pro" panose="020B0503030403020204" pitchFamily="34" charset="0"/>
                 <a:cs typeface="Source Sans Pro" pitchFamily="34" charset="-120"/>
               </a:rPr>
-              <a:t>94%</a:t>
+              <a:t>93%</a:t>
             </a:r>
             <a:endParaRPr lang="en-US" sz="2400" dirty="0">
               <a:solidFill>
@@ -4523,7 +4525,7 @@
                 <a:ea typeface="Source Sans Pro" panose="020B0503030403020204" pitchFamily="34" charset="0"/>
                 <a:cs typeface="Source Sans Pro" pitchFamily="34" charset="-120"/>
               </a:rPr>
-              <a:t>62%</a:t>
+              <a:t>67%</a:t>
             </a:r>
             <a:endParaRPr lang="en-US" sz="2400" dirty="0">
               <a:solidFill>
@@ -4748,7 +4750,7 @@
                 <a:ea typeface="Source Sans Pro" panose="020B0503030403020204" pitchFamily="34" charset="0"/>
                 <a:cs typeface="Source Sans Pro" pitchFamily="34" charset="-120"/>
               </a:rPr>
-              <a:t>97%</a:t>
+              <a:t>82%</a:t>
             </a:r>
             <a:endParaRPr lang="en-US" sz="2400" dirty="0">
               <a:solidFill>
@@ -4839,7 +4841,7 @@
         </p:nvSpPr>
         <p:spPr>
           <a:xfrm>
-            <a:off x="812959" y="5980152"/>
+            <a:off x="584359" y="6002038"/>
             <a:ext cx="14655641" cy="981551"/>
           </a:xfrm>
           <a:prstGeom prst="rect">
@@ -4962,7 +4964,7 @@
                 <a:ea typeface="Source Sans Pro" panose="020B0503030403020204" pitchFamily="34" charset="0"/>
                 <a:cs typeface="Source Sans Pro" pitchFamily="34" charset="-120"/>
               </a:rPr>
-              <a:t>0.90</a:t>
+              <a:t>0.9037</a:t>
             </a:r>
             <a:endParaRPr lang="en-US" sz="2400" dirty="0">
               <a:solidFill>
